--- a/Swift - Transição de dados entre views.pptx
+++ b/Swift - Transição de dados entre views.pptx
@@ -7,6 +7,9 @@
   <p:sldIdLst>
     <p:sldId id="256" r:id="rId2"/>
     <p:sldId id="257" r:id="rId3"/>
+    <p:sldId id="258" r:id="rId4"/>
+    <p:sldId id="259" r:id="rId5"/>
+    <p:sldId id="260" r:id="rId6"/>
   </p:sldIdLst>
   <p:sldSz cx="12192000" cy="6858000"/>
   <p:notesSz cx="6858000" cy="9144000"/>
@@ -105,6 +108,11 @@
       </a:defRPr>
     </a:lvl9pPr>
   </p:defaultTextStyle>
+  <p:extLst>
+    <p:ext uri="{EFAFB233-063F-42B5-8137-9DF3F51BA10A}">
+      <p15:sldGuideLst xmlns:p15="http://schemas.microsoft.com/office/powerpoint/2012/main"/>
+    </p:ext>
+  </p:extLst>
 </p:presentation>
 </file>
 
@@ -257,7 +265,7 @@
           <a:p>
             <a:fld id="{671A5355-0BCF-BD43-92AB-28C69D9B8FE3}" type="datetimeFigureOut">
               <a:rPr lang="en-BR" smtClean="0"/>
-              <a:t>13/01/22</a:t>
+              <a:t>19/01/22</a:t>
             </a:fld>
             <a:endParaRPr lang="en-BR"/>
           </a:p>
@@ -457,7 +465,7 @@
           <a:p>
             <a:fld id="{671A5355-0BCF-BD43-92AB-28C69D9B8FE3}" type="datetimeFigureOut">
               <a:rPr lang="en-BR" smtClean="0"/>
-              <a:t>13/01/22</a:t>
+              <a:t>19/01/22</a:t>
             </a:fld>
             <a:endParaRPr lang="en-BR"/>
           </a:p>
@@ -667,7 +675,7 @@
           <a:p>
             <a:fld id="{671A5355-0BCF-BD43-92AB-28C69D9B8FE3}" type="datetimeFigureOut">
               <a:rPr lang="en-BR" smtClean="0"/>
-              <a:t>13/01/22</a:t>
+              <a:t>19/01/22</a:t>
             </a:fld>
             <a:endParaRPr lang="en-BR"/>
           </a:p>
@@ -867,7 +875,7 @@
           <a:p>
             <a:fld id="{671A5355-0BCF-BD43-92AB-28C69D9B8FE3}" type="datetimeFigureOut">
               <a:rPr lang="en-BR" smtClean="0"/>
-              <a:t>13/01/22</a:t>
+              <a:t>19/01/22</a:t>
             </a:fld>
             <a:endParaRPr lang="en-BR"/>
           </a:p>
@@ -1143,7 +1151,7 @@
           <a:p>
             <a:fld id="{671A5355-0BCF-BD43-92AB-28C69D9B8FE3}" type="datetimeFigureOut">
               <a:rPr lang="en-BR" smtClean="0"/>
-              <a:t>13/01/22</a:t>
+              <a:t>19/01/22</a:t>
             </a:fld>
             <a:endParaRPr lang="en-BR"/>
           </a:p>
@@ -1411,7 +1419,7 @@
           <a:p>
             <a:fld id="{671A5355-0BCF-BD43-92AB-28C69D9B8FE3}" type="datetimeFigureOut">
               <a:rPr lang="en-BR" smtClean="0"/>
-              <a:t>13/01/22</a:t>
+              <a:t>19/01/22</a:t>
             </a:fld>
             <a:endParaRPr lang="en-BR"/>
           </a:p>
@@ -1826,7 +1834,7 @@
           <a:p>
             <a:fld id="{671A5355-0BCF-BD43-92AB-28C69D9B8FE3}" type="datetimeFigureOut">
               <a:rPr lang="en-BR" smtClean="0"/>
-              <a:t>13/01/22</a:t>
+              <a:t>19/01/22</a:t>
             </a:fld>
             <a:endParaRPr lang="en-BR"/>
           </a:p>
@@ -1968,7 +1976,7 @@
           <a:p>
             <a:fld id="{671A5355-0BCF-BD43-92AB-28C69D9B8FE3}" type="datetimeFigureOut">
               <a:rPr lang="en-BR" smtClean="0"/>
-              <a:t>13/01/22</a:t>
+              <a:t>19/01/22</a:t>
             </a:fld>
             <a:endParaRPr lang="en-BR"/>
           </a:p>
@@ -2081,7 +2089,7 @@
           <a:p>
             <a:fld id="{671A5355-0BCF-BD43-92AB-28C69D9B8FE3}" type="datetimeFigureOut">
               <a:rPr lang="en-BR" smtClean="0"/>
-              <a:t>13/01/22</a:t>
+              <a:t>19/01/22</a:t>
             </a:fld>
             <a:endParaRPr lang="en-BR"/>
           </a:p>
@@ -2394,7 +2402,7 @@
           <a:p>
             <a:fld id="{671A5355-0BCF-BD43-92AB-28C69D9B8FE3}" type="datetimeFigureOut">
               <a:rPr lang="en-BR" smtClean="0"/>
-              <a:t>13/01/22</a:t>
+              <a:t>19/01/22</a:t>
             </a:fld>
             <a:endParaRPr lang="en-BR"/>
           </a:p>
@@ -2683,7 +2691,7 @@
           <a:p>
             <a:fld id="{671A5355-0BCF-BD43-92AB-28C69D9B8FE3}" type="datetimeFigureOut">
               <a:rPr lang="en-BR" smtClean="0"/>
-              <a:t>13/01/22</a:t>
+              <a:t>19/01/22</a:t>
             </a:fld>
             <a:endParaRPr lang="en-BR"/>
           </a:p>
@@ -2926,7 +2934,7 @@
           <a:p>
             <a:fld id="{671A5355-0BCF-BD43-92AB-28C69D9B8FE3}" type="datetimeFigureOut">
               <a:rPr lang="en-BR" smtClean="0"/>
-              <a:t>13/01/22</a:t>
+              <a:t>19/01/22</a:t>
             </a:fld>
             <a:endParaRPr lang="en-BR"/>
           </a:p>
@@ -4397,6 +4405,1053 @@
 </p:sld>
 </file>
 
+<file path=ppt/slides/slide3.xml><?xml version="1.0" encoding="utf-8"?>
+<p:sld xmlns:a="http://schemas.openxmlformats.org/drawingml/2006/main" xmlns:r="http://schemas.openxmlformats.org/officeDocument/2006/relationships" xmlns:p="http://schemas.openxmlformats.org/presentationml/2006/main">
+  <p:cSld>
+    <p:spTree>
+      <p:nvGrpSpPr>
+        <p:cNvPr id="1" name=""/>
+        <p:cNvGrpSpPr/>
+        <p:nvPr/>
+      </p:nvGrpSpPr>
+      <p:grpSpPr>
+        <a:xfrm>
+          <a:off x="0" y="0"/>
+          <a:ext cx="0" cy="0"/>
+          <a:chOff x="0" y="0"/>
+          <a:chExt cx="0" cy="0"/>
+        </a:xfrm>
+      </p:grpSpPr>
+      <p:sp>
+        <p:nvSpPr>
+          <p:cNvPr id="4" name="TextBox 3">
+            <a:extLst>
+              <a:ext uri="{FF2B5EF4-FFF2-40B4-BE49-F238E27FC236}">
+                <a16:creationId xmlns:a16="http://schemas.microsoft.com/office/drawing/2014/main" id="{6CB69249-0707-854D-A16B-B1888841443C}"/>
+              </a:ext>
+            </a:extLst>
+          </p:cNvPr>
+          <p:cNvSpPr txBox="1"/>
+          <p:nvPr/>
+        </p:nvSpPr>
+        <p:spPr>
+          <a:xfrm>
+            <a:off x="155298" y="244252"/>
+            <a:ext cx="3057440" cy="369332"/>
+          </a:xfrm>
+          <a:prstGeom prst="rect">
+            <a:avLst/>
+          </a:prstGeom>
+          <a:noFill/>
+        </p:spPr>
+        <p:txBody>
+          <a:bodyPr wrap="none" rtlCol="0">
+            <a:spAutoFit/>
+          </a:bodyPr>
+          <a:lstStyle/>
+          <a:p>
+            <a:r>
+              <a:rPr lang="en-BR" dirty="0"/>
+              <a:t>Outro modo de mudar de tela:</a:t>
+            </a:r>
+          </a:p>
+        </p:txBody>
+      </p:sp>
+      <p:pic>
+        <p:nvPicPr>
+          <p:cNvPr id="8" name="Picture 7" descr="Graphical user interface&#10;&#10;Description automatically generated">
+            <a:extLst>
+              <a:ext uri="{FF2B5EF4-FFF2-40B4-BE49-F238E27FC236}">
+                <a16:creationId xmlns:a16="http://schemas.microsoft.com/office/drawing/2014/main" id="{743CF5E9-8E88-6C4B-B99C-335E54EA8A48}"/>
+              </a:ext>
+            </a:extLst>
+          </p:cNvPr>
+          <p:cNvPicPr>
+            <a:picLocks noChangeAspect="1"/>
+          </p:cNvPicPr>
+          <p:nvPr/>
+        </p:nvPicPr>
+        <p:blipFill>
+          <a:blip r:embed="rId2"/>
+          <a:stretch>
+            <a:fillRect/>
+          </a:stretch>
+        </p:blipFill>
+        <p:spPr>
+          <a:xfrm>
+            <a:off x="2661188" y="707010"/>
+            <a:ext cx="9530812" cy="6150990"/>
+          </a:xfrm>
+          <a:prstGeom prst="rect">
+            <a:avLst/>
+          </a:prstGeom>
+        </p:spPr>
+      </p:pic>
+      <p:pic>
+        <p:nvPicPr>
+          <p:cNvPr id="6" name="Picture 5" descr="Graphical user interface, text, application, email&#10;&#10;Description automatically generated">
+            <a:extLst>
+              <a:ext uri="{FF2B5EF4-FFF2-40B4-BE49-F238E27FC236}">
+                <a16:creationId xmlns:a16="http://schemas.microsoft.com/office/drawing/2014/main" id="{861E0D7B-01A5-1849-A289-55CE3B30E88E}"/>
+              </a:ext>
+            </a:extLst>
+          </p:cNvPr>
+          <p:cNvPicPr>
+            <a:picLocks noChangeAspect="1"/>
+          </p:cNvPicPr>
+          <p:nvPr/>
+        </p:nvPicPr>
+        <p:blipFill>
+          <a:blip r:embed="rId3"/>
+          <a:stretch>
+            <a:fillRect/>
+          </a:stretch>
+        </p:blipFill>
+        <p:spPr>
+          <a:xfrm>
+            <a:off x="0" y="4510877"/>
+            <a:ext cx="7381188" cy="2347123"/>
+          </a:xfrm>
+          <a:prstGeom prst="rect">
+            <a:avLst/>
+          </a:prstGeom>
+        </p:spPr>
+      </p:pic>
+      <p:sp>
+        <p:nvSpPr>
+          <p:cNvPr id="9" name="TextBox 8">
+            <a:extLst>
+              <a:ext uri="{FF2B5EF4-FFF2-40B4-BE49-F238E27FC236}">
+                <a16:creationId xmlns:a16="http://schemas.microsoft.com/office/drawing/2014/main" id="{7552F513-37D4-8B42-8F58-014010046B4F}"/>
+              </a:ext>
+            </a:extLst>
+          </p:cNvPr>
+          <p:cNvSpPr txBox="1"/>
+          <p:nvPr/>
+        </p:nvSpPr>
+        <p:spPr>
+          <a:xfrm>
+            <a:off x="5158996" y="6150990"/>
+            <a:ext cx="3733800" cy="415498"/>
+          </a:xfrm>
+          <a:prstGeom prst="rect">
+            <a:avLst/>
+          </a:prstGeom>
+          <a:solidFill>
+            <a:schemeClr val="accent6">
+              <a:lumMod val="20000"/>
+              <a:lumOff val="80000"/>
+            </a:schemeClr>
+          </a:solidFill>
+        </p:spPr>
+        <p:txBody>
+          <a:bodyPr wrap="square" rtlCol="0">
+            <a:spAutoFit/>
+          </a:bodyPr>
+          <a:lstStyle/>
+          <a:p>
+            <a:r>
+              <a:rPr lang="pt-BR" sz="1050" dirty="0">
+                <a:solidFill>
+                  <a:srgbClr val="FF0000"/>
+                </a:solidFill>
+              </a:rPr>
+              <a:t>É o método utilizando uma </a:t>
+            </a:r>
+            <a:r>
+              <a:rPr lang="pt-BR" sz="1050" dirty="0" err="1">
+                <a:solidFill>
+                  <a:srgbClr val="FF0000"/>
+                </a:solidFill>
+              </a:rPr>
+              <a:t>Navigation</a:t>
+            </a:r>
+            <a:r>
+              <a:rPr lang="pt-BR" sz="1050" dirty="0">
+                <a:solidFill>
+                  <a:srgbClr val="FF0000"/>
+                </a:solidFill>
+              </a:rPr>
+              <a:t> </a:t>
+            </a:r>
+            <a:r>
+              <a:rPr lang="pt-BR" sz="1050" dirty="0" err="1">
+                <a:solidFill>
+                  <a:srgbClr val="FF0000"/>
+                </a:solidFill>
+              </a:rPr>
+              <a:t>Controller</a:t>
+            </a:r>
+            <a:r>
+              <a:rPr lang="pt-BR" sz="1050" dirty="0">
+                <a:solidFill>
+                  <a:srgbClr val="FF0000"/>
+                </a:solidFill>
+              </a:rPr>
+              <a:t>, ela é a responsável por ir colocando as telas em pilhas</a:t>
+            </a:r>
+            <a:endParaRPr lang="en-BR" sz="1050" dirty="0">
+              <a:solidFill>
+                <a:srgbClr val="FF0000"/>
+              </a:solidFill>
+            </a:endParaRPr>
+          </a:p>
+        </p:txBody>
+      </p:sp>
+      <p:cxnSp>
+        <p:nvCxnSpPr>
+          <p:cNvPr id="11" name="Straight Connector 10">
+            <a:extLst>
+              <a:ext uri="{FF2B5EF4-FFF2-40B4-BE49-F238E27FC236}">
+                <a16:creationId xmlns:a16="http://schemas.microsoft.com/office/drawing/2014/main" id="{784282E9-1389-2F45-B511-8AAE9571FEE9}"/>
+              </a:ext>
+            </a:extLst>
+          </p:cNvPr>
+          <p:cNvCxnSpPr/>
+          <p:nvPr/>
+        </p:nvCxnSpPr>
+        <p:spPr>
+          <a:xfrm>
+            <a:off x="466383" y="6429081"/>
+            <a:ext cx="4633518" cy="0"/>
+          </a:xfrm>
+          <a:prstGeom prst="line">
+            <a:avLst/>
+          </a:prstGeom>
+          <a:ln w="19050">
+            <a:solidFill>
+              <a:srgbClr val="FF0000"/>
+            </a:solidFill>
+          </a:ln>
+        </p:spPr>
+        <p:style>
+          <a:lnRef idx="1">
+            <a:schemeClr val="accent1"/>
+          </a:lnRef>
+          <a:fillRef idx="0">
+            <a:schemeClr val="accent1"/>
+          </a:fillRef>
+          <a:effectRef idx="0">
+            <a:schemeClr val="accent1"/>
+          </a:effectRef>
+          <a:fontRef idx="minor">
+            <a:schemeClr val="tx1"/>
+          </a:fontRef>
+        </p:style>
+      </p:cxnSp>
+      <p:cxnSp>
+        <p:nvCxnSpPr>
+          <p:cNvPr id="12" name="Straight Arrow Connector 11">
+            <a:extLst>
+              <a:ext uri="{FF2B5EF4-FFF2-40B4-BE49-F238E27FC236}">
+                <a16:creationId xmlns:a16="http://schemas.microsoft.com/office/drawing/2014/main" id="{6B035D4E-01FA-5246-A6CE-A6BB9A8439CE}"/>
+              </a:ext>
+            </a:extLst>
+          </p:cNvPr>
+          <p:cNvCxnSpPr>
+            <a:cxnSpLocks/>
+          </p:cNvCxnSpPr>
+          <p:nvPr/>
+        </p:nvCxnSpPr>
+        <p:spPr>
+          <a:xfrm>
+            <a:off x="6551629" y="933254"/>
+            <a:ext cx="4326903" cy="5401558"/>
+          </a:xfrm>
+          <a:prstGeom prst="straightConnector1">
+            <a:avLst/>
+          </a:prstGeom>
+          <a:ln w="38100">
+            <a:solidFill>
+              <a:srgbClr val="FF0000"/>
+            </a:solidFill>
+            <a:tailEnd type="triangle"/>
+          </a:ln>
+        </p:spPr>
+        <p:style>
+          <a:lnRef idx="1">
+            <a:schemeClr val="accent1"/>
+          </a:lnRef>
+          <a:fillRef idx="0">
+            <a:schemeClr val="accent1"/>
+          </a:fillRef>
+          <a:effectRef idx="0">
+            <a:schemeClr val="accent1"/>
+          </a:effectRef>
+          <a:fontRef idx="minor">
+            <a:schemeClr val="tx1"/>
+          </a:fontRef>
+        </p:style>
+      </p:cxnSp>
+    </p:spTree>
+    <p:extLst>
+      <p:ext uri="{BB962C8B-B14F-4D97-AF65-F5344CB8AC3E}">
+        <p14:creationId xmlns:p14="http://schemas.microsoft.com/office/powerpoint/2010/main" val="4094440942"/>
+      </p:ext>
+    </p:extLst>
+  </p:cSld>
+  <p:clrMapOvr>
+    <a:masterClrMapping/>
+  </p:clrMapOvr>
+</p:sld>
+</file>
+
+<file path=ppt/slides/slide4.xml><?xml version="1.0" encoding="utf-8"?>
+<p:sld xmlns:a="http://schemas.openxmlformats.org/drawingml/2006/main" xmlns:r="http://schemas.openxmlformats.org/officeDocument/2006/relationships" xmlns:p="http://schemas.openxmlformats.org/presentationml/2006/main">
+  <p:cSld>
+    <p:spTree>
+      <p:nvGrpSpPr>
+        <p:cNvPr id="1" name=""/>
+        <p:cNvGrpSpPr/>
+        <p:nvPr/>
+      </p:nvGrpSpPr>
+      <p:grpSpPr>
+        <a:xfrm>
+          <a:off x="0" y="0"/>
+          <a:ext cx="0" cy="0"/>
+          <a:chOff x="0" y="0"/>
+          <a:chExt cx="0" cy="0"/>
+        </a:xfrm>
+      </p:grpSpPr>
+      <p:sp>
+        <p:nvSpPr>
+          <p:cNvPr id="4" name="TextBox 3">
+            <a:extLst>
+              <a:ext uri="{FF2B5EF4-FFF2-40B4-BE49-F238E27FC236}">
+                <a16:creationId xmlns:a16="http://schemas.microsoft.com/office/drawing/2014/main" id="{5F54C10D-EE3A-4345-98F4-9AF1A5BE3A79}"/>
+              </a:ext>
+            </a:extLst>
+          </p:cNvPr>
+          <p:cNvSpPr txBox="1"/>
+          <p:nvPr/>
+        </p:nvSpPr>
+        <p:spPr>
+          <a:xfrm>
+            <a:off x="254825" y="245544"/>
+            <a:ext cx="6739730" cy="461665"/>
+          </a:xfrm>
+          <a:prstGeom prst="rect">
+            <a:avLst/>
+          </a:prstGeom>
+          <a:noFill/>
+        </p:spPr>
+        <p:txBody>
+          <a:bodyPr wrap="none" rtlCol="0">
+            <a:spAutoFit/>
+          </a:bodyPr>
+          <a:lstStyle/>
+          <a:p>
+            <a:r>
+              <a:rPr lang="en-BR" sz="2400" dirty="0"/>
+              <a:t>Swift – Voltando o dado de uma view para a anterior</a:t>
+            </a:r>
+          </a:p>
+        </p:txBody>
+      </p:sp>
+      <p:pic>
+        <p:nvPicPr>
+          <p:cNvPr id="6" name="Picture 5" descr="Text, application&#10;&#10;Description automatically generated">
+            <a:extLst>
+              <a:ext uri="{FF2B5EF4-FFF2-40B4-BE49-F238E27FC236}">
+                <a16:creationId xmlns:a16="http://schemas.microsoft.com/office/drawing/2014/main" id="{4B98BD04-5BFE-6C4D-9869-0F1B90DD87EA}"/>
+              </a:ext>
+            </a:extLst>
+          </p:cNvPr>
+          <p:cNvPicPr>
+            <a:picLocks noChangeAspect="1"/>
+          </p:cNvPicPr>
+          <p:nvPr/>
+        </p:nvPicPr>
+        <p:blipFill rotWithShape="1">
+          <a:blip r:embed="rId2"/>
+          <a:srcRect b="21474"/>
+          <a:stretch/>
+        </p:blipFill>
+        <p:spPr>
+          <a:xfrm>
+            <a:off x="0" y="1230587"/>
+            <a:ext cx="5476775" cy="4457944"/>
+          </a:xfrm>
+          <a:prstGeom prst="rect">
+            <a:avLst/>
+          </a:prstGeom>
+        </p:spPr>
+      </p:pic>
+      <p:sp>
+        <p:nvSpPr>
+          <p:cNvPr id="7" name="TextBox 6">
+            <a:extLst>
+              <a:ext uri="{FF2B5EF4-FFF2-40B4-BE49-F238E27FC236}">
+                <a16:creationId xmlns:a16="http://schemas.microsoft.com/office/drawing/2014/main" id="{1774F1D7-8D92-4145-AC86-631259D2EC8C}"/>
+              </a:ext>
+            </a:extLst>
+          </p:cNvPr>
+          <p:cNvSpPr txBox="1"/>
+          <p:nvPr/>
+        </p:nvSpPr>
+        <p:spPr>
+          <a:xfrm>
+            <a:off x="4178346" y="1595530"/>
+            <a:ext cx="5073761" cy="276999"/>
+          </a:xfrm>
+          <a:prstGeom prst="rect">
+            <a:avLst/>
+          </a:prstGeom>
+          <a:solidFill>
+            <a:schemeClr val="accent6">
+              <a:lumMod val="20000"/>
+              <a:lumOff val="80000"/>
+            </a:schemeClr>
+          </a:solidFill>
+        </p:spPr>
+        <p:txBody>
+          <a:bodyPr wrap="none" rtlCol="0">
+            <a:spAutoFit/>
+          </a:bodyPr>
+          <a:lstStyle/>
+          <a:p>
+            <a:r>
+              <a:rPr lang="en-BR" sz="1200" dirty="0">
+                <a:solidFill>
+                  <a:srgbClr val="FF0000"/>
+                </a:solidFill>
+              </a:rPr>
+              <a:t>Na View de origem (2), criar um protocolo que será implementado pela view 1</a:t>
+            </a:r>
+          </a:p>
+        </p:txBody>
+      </p:sp>
+      <p:cxnSp>
+        <p:nvCxnSpPr>
+          <p:cNvPr id="8" name="Straight Arrow Connector 7">
+            <a:extLst>
+              <a:ext uri="{FF2B5EF4-FFF2-40B4-BE49-F238E27FC236}">
+                <a16:creationId xmlns:a16="http://schemas.microsoft.com/office/drawing/2014/main" id="{437B0594-6E1C-2042-8E72-ECA9522AA76E}"/>
+              </a:ext>
+            </a:extLst>
+          </p:cNvPr>
+          <p:cNvCxnSpPr>
+            <a:cxnSpLocks/>
+          </p:cNvCxnSpPr>
+          <p:nvPr/>
+        </p:nvCxnSpPr>
+        <p:spPr>
+          <a:xfrm flipH="1">
+            <a:off x="3312172" y="1734030"/>
+            <a:ext cx="759314" cy="0"/>
+          </a:xfrm>
+          <a:prstGeom prst="straightConnector1">
+            <a:avLst/>
+          </a:prstGeom>
+          <a:ln w="38100">
+            <a:solidFill>
+              <a:srgbClr val="FF0000"/>
+            </a:solidFill>
+            <a:tailEnd type="triangle"/>
+          </a:ln>
+        </p:spPr>
+        <p:style>
+          <a:lnRef idx="1">
+            <a:schemeClr val="accent1"/>
+          </a:lnRef>
+          <a:fillRef idx="0">
+            <a:schemeClr val="accent1"/>
+          </a:fillRef>
+          <a:effectRef idx="0">
+            <a:schemeClr val="accent1"/>
+          </a:effectRef>
+          <a:fontRef idx="minor">
+            <a:schemeClr val="tx1"/>
+          </a:fontRef>
+        </p:style>
+      </p:cxnSp>
+      <p:sp>
+        <p:nvSpPr>
+          <p:cNvPr id="10" name="TextBox 9">
+            <a:extLst>
+              <a:ext uri="{FF2B5EF4-FFF2-40B4-BE49-F238E27FC236}">
+                <a16:creationId xmlns:a16="http://schemas.microsoft.com/office/drawing/2014/main" id="{48004EFE-5D8F-374A-9819-10BAAAB10278}"/>
+              </a:ext>
+            </a:extLst>
+          </p:cNvPr>
+          <p:cNvSpPr txBox="1"/>
+          <p:nvPr/>
+        </p:nvSpPr>
+        <p:spPr>
+          <a:xfrm>
+            <a:off x="4794364" y="3086249"/>
+            <a:ext cx="3991990" cy="276999"/>
+          </a:xfrm>
+          <a:prstGeom prst="rect">
+            <a:avLst/>
+          </a:prstGeom>
+          <a:solidFill>
+            <a:schemeClr val="accent6">
+              <a:lumMod val="20000"/>
+              <a:lumOff val="80000"/>
+            </a:schemeClr>
+          </a:solidFill>
+        </p:spPr>
+        <p:txBody>
+          <a:bodyPr wrap="none" rtlCol="0">
+            <a:spAutoFit/>
+          </a:bodyPr>
+          <a:lstStyle/>
+          <a:p>
+            <a:r>
+              <a:rPr lang="en-BR" sz="1200" dirty="0">
+                <a:solidFill>
+                  <a:srgbClr val="FF0000"/>
+                </a:solidFill>
+              </a:rPr>
+              <a:t>Criar a variável delegate que será do tipo do protocolo criado</a:t>
+            </a:r>
+          </a:p>
+        </p:txBody>
+      </p:sp>
+      <p:cxnSp>
+        <p:nvCxnSpPr>
+          <p:cNvPr id="11" name="Straight Arrow Connector 10">
+            <a:extLst>
+              <a:ext uri="{FF2B5EF4-FFF2-40B4-BE49-F238E27FC236}">
+                <a16:creationId xmlns:a16="http://schemas.microsoft.com/office/drawing/2014/main" id="{C5FD275B-EB58-F84B-8626-0A03CCE1D2CD}"/>
+              </a:ext>
+            </a:extLst>
+          </p:cNvPr>
+          <p:cNvCxnSpPr>
+            <a:cxnSpLocks/>
+          </p:cNvCxnSpPr>
+          <p:nvPr/>
+        </p:nvCxnSpPr>
+        <p:spPr>
+          <a:xfrm flipH="1">
+            <a:off x="3928190" y="3224749"/>
+            <a:ext cx="759314" cy="0"/>
+          </a:xfrm>
+          <a:prstGeom prst="straightConnector1">
+            <a:avLst/>
+          </a:prstGeom>
+          <a:ln w="38100">
+            <a:solidFill>
+              <a:srgbClr val="FF0000"/>
+            </a:solidFill>
+            <a:tailEnd type="triangle"/>
+          </a:ln>
+        </p:spPr>
+        <p:style>
+          <a:lnRef idx="1">
+            <a:schemeClr val="accent1"/>
+          </a:lnRef>
+          <a:fillRef idx="0">
+            <a:schemeClr val="accent1"/>
+          </a:fillRef>
+          <a:effectRef idx="0">
+            <a:schemeClr val="accent1"/>
+          </a:effectRef>
+          <a:fontRef idx="minor">
+            <a:schemeClr val="tx1"/>
+          </a:fontRef>
+        </p:style>
+      </p:cxnSp>
+      <p:sp>
+        <p:nvSpPr>
+          <p:cNvPr id="12" name="TextBox 11">
+            <a:extLst>
+              <a:ext uri="{FF2B5EF4-FFF2-40B4-BE49-F238E27FC236}">
+                <a16:creationId xmlns:a16="http://schemas.microsoft.com/office/drawing/2014/main" id="{8FB9830A-41BD-F54E-BF00-63479376DD4B}"/>
+              </a:ext>
+            </a:extLst>
+          </p:cNvPr>
+          <p:cNvSpPr txBox="1"/>
+          <p:nvPr/>
+        </p:nvSpPr>
+        <p:spPr>
+          <a:xfrm>
+            <a:off x="5710989" y="4249885"/>
+            <a:ext cx="6320589" cy="646331"/>
+          </a:xfrm>
+          <a:prstGeom prst="rect">
+            <a:avLst/>
+          </a:prstGeom>
+          <a:solidFill>
+            <a:schemeClr val="accent6">
+              <a:lumMod val="20000"/>
+              <a:lumOff val="80000"/>
+            </a:schemeClr>
+          </a:solidFill>
+        </p:spPr>
+        <p:txBody>
+          <a:bodyPr wrap="square" rtlCol="0">
+            <a:spAutoFit/>
+          </a:bodyPr>
+          <a:lstStyle/>
+          <a:p>
+            <a:r>
+              <a:rPr lang="en-BR" sz="1200" dirty="0">
+                <a:solidFill>
+                  <a:srgbClr val="FF0000"/>
+                </a:solidFill>
+              </a:rPr>
+              <a:t>Como delegate iniciou sem conteúdo, é usado o gard para verificar se agora há um conteúdo antes de tentar enviar, senão a função é descontinuada.</a:t>
+            </a:r>
+          </a:p>
+          <a:p>
+            <a:r>
+              <a:rPr lang="en-BR" sz="1200" dirty="0">
+                <a:solidFill>
+                  <a:srgbClr val="FF0000"/>
+                </a:solidFill>
+              </a:rPr>
+              <a:t>É criado uma variável local com o mesmo nome que receberá seu conteúdo para realizar o teste.</a:t>
+            </a:r>
+          </a:p>
+        </p:txBody>
+      </p:sp>
+      <p:cxnSp>
+        <p:nvCxnSpPr>
+          <p:cNvPr id="13" name="Straight Arrow Connector 12">
+            <a:extLst>
+              <a:ext uri="{FF2B5EF4-FFF2-40B4-BE49-F238E27FC236}">
+                <a16:creationId xmlns:a16="http://schemas.microsoft.com/office/drawing/2014/main" id="{FB19683B-4142-FC46-BE94-44E49C120816}"/>
+              </a:ext>
+            </a:extLst>
+          </p:cNvPr>
+          <p:cNvCxnSpPr>
+            <a:cxnSpLocks/>
+          </p:cNvCxnSpPr>
+          <p:nvPr/>
+        </p:nvCxnSpPr>
+        <p:spPr>
+          <a:xfrm flipH="1">
+            <a:off x="4864066" y="4576968"/>
+            <a:ext cx="759314" cy="0"/>
+          </a:xfrm>
+          <a:prstGeom prst="straightConnector1">
+            <a:avLst/>
+          </a:prstGeom>
+          <a:ln w="38100">
+            <a:solidFill>
+              <a:srgbClr val="FF0000"/>
+            </a:solidFill>
+            <a:tailEnd type="triangle"/>
+          </a:ln>
+        </p:spPr>
+        <p:style>
+          <a:lnRef idx="1">
+            <a:schemeClr val="accent1"/>
+          </a:lnRef>
+          <a:fillRef idx="0">
+            <a:schemeClr val="accent1"/>
+          </a:fillRef>
+          <a:effectRef idx="0">
+            <a:schemeClr val="accent1"/>
+          </a:effectRef>
+          <a:fontRef idx="minor">
+            <a:schemeClr val="tx1"/>
+          </a:fontRef>
+        </p:style>
+      </p:cxnSp>
+      <p:sp>
+        <p:nvSpPr>
+          <p:cNvPr id="14" name="TextBox 13">
+            <a:extLst>
+              <a:ext uri="{FF2B5EF4-FFF2-40B4-BE49-F238E27FC236}">
+                <a16:creationId xmlns:a16="http://schemas.microsoft.com/office/drawing/2014/main" id="{3BE243F8-3E38-2F49-AC3A-882FB95E9FED}"/>
+              </a:ext>
+            </a:extLst>
+          </p:cNvPr>
+          <p:cNvSpPr txBox="1"/>
+          <p:nvPr/>
+        </p:nvSpPr>
+        <p:spPr>
+          <a:xfrm>
+            <a:off x="5822662" y="5085959"/>
+            <a:ext cx="5926751" cy="646331"/>
+          </a:xfrm>
+          <a:prstGeom prst="rect">
+            <a:avLst/>
+          </a:prstGeom>
+          <a:solidFill>
+            <a:schemeClr val="accent6">
+              <a:lumMod val="20000"/>
+              <a:lumOff val="80000"/>
+            </a:schemeClr>
+          </a:solidFill>
+        </p:spPr>
+        <p:txBody>
+          <a:bodyPr wrap="none" rtlCol="0">
+            <a:spAutoFit/>
+          </a:bodyPr>
+          <a:lstStyle/>
+          <a:p>
+            <a:r>
+              <a:rPr lang="en-BR" sz="1200" dirty="0">
+                <a:solidFill>
+                  <a:srgbClr val="FF0000"/>
+                </a:solidFill>
+              </a:rPr>
+              <a:t>A função do protocolo do delegate é chamado e recebe o texto do textfield como conteúdo.</a:t>
+            </a:r>
+          </a:p>
+          <a:p>
+            <a:r>
+              <a:rPr lang="en-BR" sz="1200" dirty="0">
+                <a:solidFill>
+                  <a:srgbClr val="FF0000"/>
+                </a:solidFill>
+              </a:rPr>
+              <a:t>Agora que há um conteúdo no protocolo do delegate, a View1 conseguirá pegar o valor.</a:t>
+            </a:r>
+          </a:p>
+          <a:p>
+            <a:r>
+              <a:rPr lang="en-BR" sz="1200" dirty="0">
+                <a:solidFill>
+                  <a:srgbClr val="FF0000"/>
+                </a:solidFill>
+              </a:rPr>
+              <a:t>Em seguida, a tela atual é retirada da pilha para voltar a anterior.</a:t>
+            </a:r>
+          </a:p>
+        </p:txBody>
+      </p:sp>
+      <p:cxnSp>
+        <p:nvCxnSpPr>
+          <p:cNvPr id="15" name="Straight Arrow Connector 14">
+            <a:extLst>
+              <a:ext uri="{FF2B5EF4-FFF2-40B4-BE49-F238E27FC236}">
+                <a16:creationId xmlns:a16="http://schemas.microsoft.com/office/drawing/2014/main" id="{F83AC843-E4F9-584D-A68D-83C289C9A55C}"/>
+              </a:ext>
+            </a:extLst>
+          </p:cNvPr>
+          <p:cNvCxnSpPr>
+            <a:cxnSpLocks/>
+          </p:cNvCxnSpPr>
+          <p:nvPr/>
+        </p:nvCxnSpPr>
+        <p:spPr>
+          <a:xfrm flipH="1">
+            <a:off x="5023863" y="5397709"/>
+            <a:ext cx="759314" cy="0"/>
+          </a:xfrm>
+          <a:prstGeom prst="straightConnector1">
+            <a:avLst/>
+          </a:prstGeom>
+          <a:ln w="38100">
+            <a:solidFill>
+              <a:srgbClr val="FF0000"/>
+            </a:solidFill>
+            <a:tailEnd type="triangle"/>
+          </a:ln>
+        </p:spPr>
+        <p:style>
+          <a:lnRef idx="1">
+            <a:schemeClr val="accent1"/>
+          </a:lnRef>
+          <a:fillRef idx="0">
+            <a:schemeClr val="accent1"/>
+          </a:fillRef>
+          <a:effectRef idx="0">
+            <a:schemeClr val="accent1"/>
+          </a:effectRef>
+          <a:fontRef idx="minor">
+            <a:schemeClr val="tx1"/>
+          </a:fontRef>
+        </p:style>
+      </p:cxnSp>
+    </p:spTree>
+    <p:extLst>
+      <p:ext uri="{BB962C8B-B14F-4D97-AF65-F5344CB8AC3E}">
+        <p14:creationId xmlns:p14="http://schemas.microsoft.com/office/powerpoint/2010/main" val="3937343449"/>
+      </p:ext>
+    </p:extLst>
+  </p:cSld>
+  <p:clrMapOvr>
+    <a:masterClrMapping/>
+  </p:clrMapOvr>
+</p:sld>
+</file>
+
+<file path=ppt/slides/slide5.xml><?xml version="1.0" encoding="utf-8"?>
+<p:sld xmlns:a="http://schemas.openxmlformats.org/drawingml/2006/main" xmlns:r="http://schemas.openxmlformats.org/officeDocument/2006/relationships" xmlns:p="http://schemas.openxmlformats.org/presentationml/2006/main">
+  <p:cSld>
+    <p:spTree>
+      <p:nvGrpSpPr>
+        <p:cNvPr id="1" name=""/>
+        <p:cNvGrpSpPr/>
+        <p:nvPr/>
+      </p:nvGrpSpPr>
+      <p:grpSpPr>
+        <a:xfrm>
+          <a:off x="0" y="0"/>
+          <a:ext cx="0" cy="0"/>
+          <a:chOff x="0" y="0"/>
+          <a:chExt cx="0" cy="0"/>
+        </a:xfrm>
+      </p:grpSpPr>
+      <p:pic>
+        <p:nvPicPr>
+          <p:cNvPr id="9" name="Picture 8" descr="Graphical user interface, text, application, email&#10;&#10;Description automatically generated">
+            <a:extLst>
+              <a:ext uri="{FF2B5EF4-FFF2-40B4-BE49-F238E27FC236}">
+                <a16:creationId xmlns:a16="http://schemas.microsoft.com/office/drawing/2014/main" id="{58281E96-63E3-C349-8FFB-EB1659254349}"/>
+              </a:ext>
+            </a:extLst>
+          </p:cNvPr>
+          <p:cNvPicPr>
+            <a:picLocks noChangeAspect="1"/>
+          </p:cNvPicPr>
+          <p:nvPr/>
+        </p:nvPicPr>
+        <p:blipFill>
+          <a:blip r:embed="rId2"/>
+          <a:stretch>
+            <a:fillRect/>
+          </a:stretch>
+        </p:blipFill>
+        <p:spPr>
+          <a:xfrm>
+            <a:off x="0" y="688942"/>
+            <a:ext cx="6946900" cy="4864100"/>
+          </a:xfrm>
+          <a:prstGeom prst="rect">
+            <a:avLst/>
+          </a:prstGeom>
+        </p:spPr>
+      </p:pic>
+      <p:sp>
+        <p:nvSpPr>
+          <p:cNvPr id="10" name="TextBox 9">
+            <a:extLst>
+              <a:ext uri="{FF2B5EF4-FFF2-40B4-BE49-F238E27FC236}">
+                <a16:creationId xmlns:a16="http://schemas.microsoft.com/office/drawing/2014/main" id="{91DB7908-E83C-444E-9859-4DFA1D4DC7DF}"/>
+              </a:ext>
+            </a:extLst>
+          </p:cNvPr>
+          <p:cNvSpPr txBox="1"/>
+          <p:nvPr/>
+        </p:nvSpPr>
+        <p:spPr>
+          <a:xfrm>
+            <a:off x="5223667" y="2379096"/>
+            <a:ext cx="4047333" cy="461665"/>
+          </a:xfrm>
+          <a:prstGeom prst="rect">
+            <a:avLst/>
+          </a:prstGeom>
+          <a:solidFill>
+            <a:schemeClr val="accent6">
+              <a:lumMod val="20000"/>
+              <a:lumOff val="80000"/>
+            </a:schemeClr>
+          </a:solidFill>
+        </p:spPr>
+        <p:txBody>
+          <a:bodyPr wrap="square" rtlCol="0">
+            <a:spAutoFit/>
+          </a:bodyPr>
+          <a:lstStyle/>
+          <a:p>
+            <a:r>
+              <a:rPr lang="en-BR" sz="1200" dirty="0">
+                <a:solidFill>
+                  <a:srgbClr val="FF0000"/>
+                </a:solidFill>
+              </a:rPr>
+              <a:t>Depois de colocar a outra view em uma variável, conseguimos acessar sua delegate e vinculamos com a view atual.</a:t>
+            </a:r>
+          </a:p>
+        </p:txBody>
+      </p:sp>
+      <p:cxnSp>
+        <p:nvCxnSpPr>
+          <p:cNvPr id="11" name="Straight Arrow Connector 10">
+            <a:extLst>
+              <a:ext uri="{FF2B5EF4-FFF2-40B4-BE49-F238E27FC236}">
+                <a16:creationId xmlns:a16="http://schemas.microsoft.com/office/drawing/2014/main" id="{0D79767E-1ED7-6043-BE54-056C864F8BC9}"/>
+              </a:ext>
+            </a:extLst>
+          </p:cNvPr>
+          <p:cNvCxnSpPr>
+            <a:cxnSpLocks/>
+          </p:cNvCxnSpPr>
+          <p:nvPr/>
+        </p:nvCxnSpPr>
+        <p:spPr>
+          <a:xfrm flipH="1">
+            <a:off x="4399826" y="2609929"/>
+            <a:ext cx="759314" cy="0"/>
+          </a:xfrm>
+          <a:prstGeom prst="straightConnector1">
+            <a:avLst/>
+          </a:prstGeom>
+          <a:ln w="38100">
+            <a:solidFill>
+              <a:srgbClr val="FF0000"/>
+            </a:solidFill>
+            <a:tailEnd type="triangle"/>
+          </a:ln>
+        </p:spPr>
+        <p:style>
+          <a:lnRef idx="1">
+            <a:schemeClr val="accent1"/>
+          </a:lnRef>
+          <a:fillRef idx="0">
+            <a:schemeClr val="accent1"/>
+          </a:fillRef>
+          <a:effectRef idx="0">
+            <a:schemeClr val="accent1"/>
+          </a:effectRef>
+          <a:fontRef idx="minor">
+            <a:schemeClr val="tx1"/>
+          </a:fontRef>
+        </p:style>
+      </p:cxnSp>
+      <p:sp>
+        <p:nvSpPr>
+          <p:cNvPr id="12" name="TextBox 11">
+            <a:extLst>
+              <a:ext uri="{FF2B5EF4-FFF2-40B4-BE49-F238E27FC236}">
+                <a16:creationId xmlns:a16="http://schemas.microsoft.com/office/drawing/2014/main" id="{DDDF1434-867A-0B41-A5F4-DC117F97570A}"/>
+              </a:ext>
+            </a:extLst>
+          </p:cNvPr>
+          <p:cNvSpPr txBox="1"/>
+          <p:nvPr/>
+        </p:nvSpPr>
+        <p:spPr>
+          <a:xfrm>
+            <a:off x="1824527" y="219452"/>
+            <a:ext cx="2672591" cy="369332"/>
+          </a:xfrm>
+          <a:prstGeom prst="rect">
+            <a:avLst/>
+          </a:prstGeom>
+          <a:solidFill>
+            <a:schemeClr val="accent6">
+              <a:lumMod val="20000"/>
+              <a:lumOff val="80000"/>
+            </a:schemeClr>
+          </a:solidFill>
+        </p:spPr>
+        <p:txBody>
+          <a:bodyPr wrap="none" rtlCol="0">
+            <a:spAutoFit/>
+          </a:bodyPr>
+          <a:lstStyle/>
+          <a:p>
+            <a:r>
+              <a:rPr lang="en-BR" dirty="0">
+                <a:solidFill>
+                  <a:srgbClr val="FF0000"/>
+                </a:solidFill>
+              </a:rPr>
+              <a:t>ViewController 1 (Destino)</a:t>
+            </a:r>
+          </a:p>
+        </p:txBody>
+      </p:sp>
+      <p:sp>
+        <p:nvSpPr>
+          <p:cNvPr id="14" name="TextBox 13">
+            <a:extLst>
+              <a:ext uri="{FF2B5EF4-FFF2-40B4-BE49-F238E27FC236}">
+                <a16:creationId xmlns:a16="http://schemas.microsoft.com/office/drawing/2014/main" id="{01310DAE-393F-5C49-AB5B-7CA161E9EB2D}"/>
+              </a:ext>
+            </a:extLst>
+          </p:cNvPr>
+          <p:cNvSpPr txBox="1"/>
+          <p:nvPr/>
+        </p:nvSpPr>
+        <p:spPr>
+          <a:xfrm>
+            <a:off x="5054333" y="4605830"/>
+            <a:ext cx="4047333" cy="461665"/>
+          </a:xfrm>
+          <a:prstGeom prst="rect">
+            <a:avLst/>
+          </a:prstGeom>
+          <a:solidFill>
+            <a:schemeClr val="accent6">
+              <a:lumMod val="20000"/>
+              <a:lumOff val="80000"/>
+            </a:schemeClr>
+          </a:solidFill>
+        </p:spPr>
+        <p:txBody>
+          <a:bodyPr wrap="square" rtlCol="0">
+            <a:spAutoFit/>
+          </a:bodyPr>
+          <a:lstStyle/>
+          <a:p>
+            <a:r>
+              <a:rPr lang="en-BR" sz="1200" dirty="0">
+                <a:solidFill>
+                  <a:srgbClr val="FF0000"/>
+                </a:solidFill>
+              </a:rPr>
+              <a:t>Por último, colocamos na label o texto recebido pela delegate que recebemos.</a:t>
+            </a:r>
+          </a:p>
+        </p:txBody>
+      </p:sp>
+      <p:cxnSp>
+        <p:nvCxnSpPr>
+          <p:cNvPr id="15" name="Straight Arrow Connector 14">
+            <a:extLst>
+              <a:ext uri="{FF2B5EF4-FFF2-40B4-BE49-F238E27FC236}">
+                <a16:creationId xmlns:a16="http://schemas.microsoft.com/office/drawing/2014/main" id="{8800EE4B-67C0-5C46-96D0-4E32D4DD7C4E}"/>
+              </a:ext>
+            </a:extLst>
+          </p:cNvPr>
+          <p:cNvCxnSpPr>
+            <a:cxnSpLocks/>
+          </p:cNvCxnSpPr>
+          <p:nvPr/>
+        </p:nvCxnSpPr>
+        <p:spPr>
+          <a:xfrm flipH="1">
+            <a:off x="4230492" y="4836663"/>
+            <a:ext cx="759314" cy="0"/>
+          </a:xfrm>
+          <a:prstGeom prst="straightConnector1">
+            <a:avLst/>
+          </a:prstGeom>
+          <a:ln w="38100">
+            <a:solidFill>
+              <a:srgbClr val="FF0000"/>
+            </a:solidFill>
+            <a:tailEnd type="triangle"/>
+          </a:ln>
+        </p:spPr>
+        <p:style>
+          <a:lnRef idx="1">
+            <a:schemeClr val="accent1"/>
+          </a:lnRef>
+          <a:fillRef idx="0">
+            <a:schemeClr val="accent1"/>
+          </a:fillRef>
+          <a:effectRef idx="0">
+            <a:schemeClr val="accent1"/>
+          </a:effectRef>
+          <a:fontRef idx="minor">
+            <a:schemeClr val="tx1"/>
+          </a:fontRef>
+        </p:style>
+      </p:cxnSp>
+    </p:spTree>
+    <p:extLst>
+      <p:ext uri="{BB962C8B-B14F-4D97-AF65-F5344CB8AC3E}">
+        <p14:creationId xmlns:p14="http://schemas.microsoft.com/office/powerpoint/2010/main" val="3867892365"/>
+      </p:ext>
+    </p:extLst>
+  </p:cSld>
+  <p:clrMapOvr>
+    <a:masterClrMapping/>
+  </p:clrMapOvr>
+</p:sld>
+</file>
+
 <file path=ppt/theme/theme1.xml><?xml version="1.0" encoding="utf-8"?>
 <a:theme xmlns:a="http://schemas.openxmlformats.org/drawingml/2006/main" name="Office Theme">
   <a:themeElements>
